--- a/Apresentações/TRE DMAIC - Measure.pptx
+++ b/Apresentações/TRE DMAIC - Measure.pptx
@@ -11,10 +11,11 @@
     <p:sldId id="259" r:id="rId5"/>
     <p:sldId id="260" r:id="rId6"/>
     <p:sldId id="264" r:id="rId7"/>
-    <p:sldId id="266" r:id="rId8"/>
-    <p:sldId id="267" r:id="rId9"/>
-    <p:sldId id="268" r:id="rId10"/>
-    <p:sldId id="265" r:id="rId11"/>
+    <p:sldId id="269" r:id="rId8"/>
+    <p:sldId id="266" r:id="rId9"/>
+    <p:sldId id="267" r:id="rId10"/>
+    <p:sldId id="270" r:id="rId11"/>
+    <p:sldId id="268" r:id="rId12"/>
   </p:sldIdLst>
   <p:sldSz cx="12192000" cy="6858000"/>
   <p:notesSz cx="6858000" cy="9144000"/>
@@ -113,6 +114,11 @@
       </a:defRPr>
     </a:lvl9pPr>
   </p:defaultTextStyle>
+  <p:extLst>
+    <p:ext uri="{EFAFB233-063F-42B5-8137-9DF3F51BA10A}">
+      <p15:sldGuideLst xmlns:p15="http://schemas.microsoft.com/office/powerpoint/2012/main"/>
+    </p:ext>
+  </p:extLst>
 </p:presentation>
 </file>
 
@@ -342,7 +348,7 @@
           <a:p>
             <a:fld id="{4BDF68E2-58F2-4D09-BE8B-E3BD06533059}" type="datetimeFigureOut">
               <a:rPr lang="en-US" dirty="0"/>
-              <a:t>5/12/2017</a:t>
+              <a:t>5/16/2017</a:t>
             </a:fld>
             <a:endParaRPr lang="en-US" dirty="0"/>
           </a:p>
@@ -545,7 +551,7 @@
           <a:p>
             <a:fld id="{2E2D6473-DF6D-4702-B328-E0DD40540A4E}" type="datetimeFigureOut">
               <a:rPr lang="en-US" dirty="0"/>
-              <a:t>5/12/2017</a:t>
+              <a:t>5/16/2017</a:t>
             </a:fld>
             <a:endParaRPr lang="en-US" dirty="0"/>
           </a:p>
@@ -796,7 +802,7 @@
           <a:p>
             <a:fld id="{E26F7E3A-B166-407D-9866-32884E7D5B37}" type="datetimeFigureOut">
               <a:rPr lang="en-US" dirty="0"/>
-              <a:t>5/12/2017</a:t>
+              <a:t>5/16/2017</a:t>
             </a:fld>
             <a:endParaRPr lang="en-US" dirty="0"/>
           </a:p>
@@ -965,7 +971,7 @@
           <a:p>
             <a:fld id="{528FC5F6-F338-4AE4-BB23-26385BCFC423}" type="datetimeFigureOut">
               <a:rPr lang="en-US" dirty="0"/>
-              <a:t>5/12/2017</a:t>
+              <a:t>5/16/2017</a:t>
             </a:fld>
             <a:endParaRPr lang="en-US" dirty="0"/>
           </a:p>
@@ -1303,7 +1309,7 @@
           <a:p>
             <a:fld id="{20EBB0C4-6273-4C6E-B9BD-2EDC30F1CD52}" type="datetimeFigureOut">
               <a:rPr lang="en-US" dirty="0"/>
-              <a:t>5/12/2017</a:t>
+              <a:t>5/16/2017</a:t>
             </a:fld>
             <a:endParaRPr lang="en-US" dirty="0"/>
           </a:p>
@@ -1573,7 +1579,7 @@
           <a:p>
             <a:fld id="{19AB4D41-86C1-4908-B66A-0B50CEB3BF29}" type="datetimeFigureOut">
               <a:rPr lang="en-US" dirty="0"/>
-              <a:t>5/12/2017</a:t>
+              <a:t>5/16/2017</a:t>
             </a:fld>
             <a:endParaRPr lang="en-US" dirty="0"/>
           </a:p>
@@ -1947,7 +1953,7 @@
           <a:p>
             <a:fld id="{E6426E2C-56C1-4E0D-A793-0088A7FDD37E}" type="datetimeFigureOut">
               <a:rPr lang="en-US" dirty="0"/>
-              <a:t>5/12/2017</a:t>
+              <a:t>5/16/2017</a:t>
             </a:fld>
             <a:endParaRPr lang="en-US" dirty="0"/>
           </a:p>
@@ -2060,7 +2066,7 @@
           <a:p>
             <a:fld id="{C8C39B41-D8B5-4052-B551-9B5525EAA8B6}" type="datetimeFigureOut">
               <a:rPr lang="en-US" dirty="0"/>
-              <a:t>5/12/2017</a:t>
+              <a:t>5/16/2017</a:t>
             </a:fld>
             <a:endParaRPr lang="en-US" dirty="0"/>
           </a:p>
@@ -2226,7 +2232,7 @@
           <a:p>
             <a:fld id="{4D94136C-8742-45B2-AF27-D93DF72833A9}" type="datetimeFigureOut">
               <a:rPr lang="en-US" dirty="0"/>
-              <a:t>5/12/2017</a:t>
+              <a:t>5/16/2017</a:t>
             </a:fld>
             <a:endParaRPr lang="en-US" dirty="0"/>
           </a:p>
@@ -2576,7 +2582,7 @@
           <a:p>
             <a:fld id="{32ABBEA6-7C60-4B02-AE87-00D78D8422AF}" type="datetimeFigureOut">
               <a:rPr lang="en-US" dirty="0"/>
-              <a:t>5/12/2017</a:t>
+              <a:t>5/16/2017</a:t>
             </a:fld>
             <a:endParaRPr lang="en-US" dirty="0"/>
           </a:p>
@@ -2954,7 +2960,7 @@
           <a:p>
             <a:fld id="{C9CAD897-D46E-4AD2-BD9B-49DD3E640873}" type="datetimeFigureOut">
               <a:rPr lang="en-US" dirty="0"/>
-              <a:t>5/12/2017</a:t>
+              <a:t>5/16/2017</a:t>
             </a:fld>
             <a:endParaRPr lang="en-US" dirty="0"/>
           </a:p>
@@ -3236,7 +3242,7 @@
           <a:p>
             <a:fld id="{98624D31-43A5-475A-80CF-332C9F6DCF35}" type="datetimeFigureOut">
               <a:rPr lang="en-US" dirty="0"/>
-              <a:t>5/12/2017</a:t>
+              <a:t>5/16/2017</a:t>
             </a:fld>
             <a:endParaRPr lang="en-US" dirty="0"/>
           </a:p>
@@ -3795,7 +3801,22 @@
           <a:bodyPr/>
           <a:lstStyle/>
           <a:p>
-            <a:endParaRPr lang="pt-BR"/>
+            <a:r>
+              <a:rPr lang="pt-BR" dirty="0" smtClean="0"/>
+              <a:t>Fase </a:t>
+            </a:r>
+            <a:r>
+              <a:rPr lang="pt-BR" dirty="0" err="1" smtClean="0"/>
+              <a:t>measure</a:t>
+            </a:r>
+            <a:r>
+              <a:rPr lang="pt-BR" dirty="0" smtClean="0"/>
+              <a:t>- medir</a:t>
+            </a:r>
+            <a:br>
+              <a:rPr lang="pt-BR" dirty="0" smtClean="0"/>
+            </a:br>
+            <a:endParaRPr lang="pt-BR" dirty="0"/>
           </a:p>
         </p:txBody>
       </p:sp>
@@ -3836,6 +3857,93 @@
           <a:chExt cx="0" cy="0"/>
         </a:xfrm>
       </p:grpSpPr>
+      <p:graphicFrame>
+        <p:nvGraphicFramePr>
+          <p:cNvPr id="7" name="Objeto 6"/>
+          <p:cNvGraphicFramePr>
+            <a:graphicFrameLocks noChangeAspect="1"/>
+          </p:cNvGraphicFramePr>
+          <p:nvPr>
+            <p:extLst>
+              <p:ext uri="{D42A27DB-BD31-4B8C-83A1-F6EECF244321}">
+                <p14:modId xmlns:p14="http://schemas.microsoft.com/office/powerpoint/2010/main" val="384971417"/>
+              </p:ext>
+            </p:extLst>
+          </p:nvPr>
+        </p:nvGraphicFramePr>
+        <p:xfrm>
+          <a:off x="1401287" y="32848"/>
+          <a:ext cx="9120251" cy="6264800"/>
+        </p:xfrm>
+        <a:graphic>
+          <a:graphicData uri="http://schemas.openxmlformats.org/presentationml/2006/ole">
+            <mc:AlternateContent xmlns:mc="http://schemas.openxmlformats.org/markup-compatibility/2006">
+              <mc:Choice xmlns:v="urn:schemas-microsoft-com:vml" Requires="v">
+                <p:oleObj spid="_x0000_s1026" name="Planilha" r:id="rId3" imgW="9096386" imgH="6248445" progId="Excel.Sheet.12">
+                  <p:embed/>
+                </p:oleObj>
+              </mc:Choice>
+              <mc:Fallback>
+                <p:oleObj name="Planilha" r:id="rId3" imgW="9096386" imgH="6248445" progId="Excel.Sheet.12">
+                  <p:embed/>
+                  <p:pic>
+                    <p:nvPicPr>
+                      <p:cNvPr id="0" name=""/>
+                      <p:cNvPicPr/>
+                      <p:nvPr/>
+                    </p:nvPicPr>
+                    <p:blipFill>
+                      <a:blip r:embed="rId4"/>
+                      <a:stretch>
+                        <a:fillRect/>
+                      </a:stretch>
+                    </p:blipFill>
+                    <p:spPr>
+                      <a:xfrm>
+                        <a:off x="1401287" y="32848"/>
+                        <a:ext cx="9120251" cy="6264800"/>
+                      </a:xfrm>
+                      <a:prstGeom prst="rect">
+                        <a:avLst/>
+                      </a:prstGeom>
+                    </p:spPr>
+                  </p:pic>
+                </p:oleObj>
+              </mc:Fallback>
+            </mc:AlternateContent>
+          </a:graphicData>
+        </a:graphic>
+      </p:graphicFrame>
+    </p:spTree>
+    <p:extLst>
+      <p:ext uri="{BB962C8B-B14F-4D97-AF65-F5344CB8AC3E}">
+        <p14:creationId xmlns:p14="http://schemas.microsoft.com/office/powerpoint/2010/main" val="2602901994"/>
+      </p:ext>
+    </p:extLst>
+  </p:cSld>
+  <p:clrMapOvr>
+    <a:masterClrMapping/>
+  </p:clrMapOvr>
+</p:sld>
+</file>
+
+<file path=ppt/slides/slide11.xml><?xml version="1.0" encoding="utf-8"?>
+<p:sld xmlns:a="http://schemas.openxmlformats.org/drawingml/2006/main" xmlns:r="http://schemas.openxmlformats.org/officeDocument/2006/relationships" xmlns:p="http://schemas.openxmlformats.org/presentationml/2006/main">
+  <p:cSld>
+    <p:spTree>
+      <p:nvGrpSpPr>
+        <p:cNvPr id="1" name=""/>
+        <p:cNvGrpSpPr/>
+        <p:nvPr/>
+      </p:nvGrpSpPr>
+      <p:grpSpPr>
+        <a:xfrm>
+          <a:off x="0" y="0"/>
+          <a:ext cx="0" cy="0"/>
+          <a:chOff x="0" y="0"/>
+          <a:chExt cx="0" cy="0"/>
+        </a:xfrm>
+      </p:grpSpPr>
       <p:sp>
         <p:nvSpPr>
           <p:cNvPr id="4" name="Retângulo 3"/>
@@ -3879,10 +3987,34 @@
           </a:p>
         </p:txBody>
       </p:sp>
+      <p:pic>
+        <p:nvPicPr>
+          <p:cNvPr id="2" name="Imagem 1"/>
+          <p:cNvPicPr>
+            <a:picLocks noChangeAspect="1"/>
+          </p:cNvPicPr>
+          <p:nvPr/>
+        </p:nvPicPr>
+        <p:blipFill>
+          <a:blip r:embed="rId2"/>
+          <a:stretch>
+            <a:fillRect/>
+          </a:stretch>
+        </p:blipFill>
+        <p:spPr>
+          <a:xfrm>
+            <a:off x="2040292" y="106958"/>
+            <a:ext cx="8111417" cy="6644084"/>
+          </a:xfrm>
+          <a:prstGeom prst="rect">
+            <a:avLst/>
+          </a:prstGeom>
+        </p:spPr>
+      </p:pic>
     </p:spTree>
     <p:extLst>
       <p:ext uri="{BB962C8B-B14F-4D97-AF65-F5344CB8AC3E}">
-        <p14:creationId xmlns:p14="http://schemas.microsoft.com/office/powerpoint/2010/main" val="384445553"/>
+        <p14:creationId xmlns:p14="http://schemas.microsoft.com/office/powerpoint/2010/main" val="3383441995"/>
       </p:ext>
     </p:extLst>
   </p:cSld>
@@ -4129,7 +4261,7 @@
         </p:nvSpPr>
         <p:spPr>
           <a:xfrm>
-            <a:off x="1" y="0"/>
+            <a:off x="0" y="22864"/>
             <a:ext cx="12192000" cy="6858000"/>
           </a:xfrm>
           <a:prstGeom prst="rect">
@@ -4164,9 +4296,193 @@
           </a:p>
         </p:txBody>
       </p:sp>
+      <p:sp>
+        <p:nvSpPr>
+          <p:cNvPr id="5" name="Elipse 4"/>
+          <p:cNvSpPr/>
+          <p:nvPr/>
+        </p:nvSpPr>
+        <p:spPr>
+          <a:xfrm>
+            <a:off x="6284890" y="283336"/>
+            <a:ext cx="959972" cy="490388"/>
+          </a:xfrm>
+          <a:prstGeom prst="ellipse">
+            <a:avLst/>
+          </a:prstGeom>
+          <a:noFill/>
+          <a:ln w="47625">
+            <a:solidFill>
+              <a:srgbClr val="FF0000"/>
+            </a:solidFill>
+          </a:ln>
+        </p:spPr>
+        <p:style>
+          <a:lnRef idx="2">
+            <a:schemeClr val="accent1">
+              <a:shade val="50000"/>
+            </a:schemeClr>
+          </a:lnRef>
+          <a:fillRef idx="1">
+            <a:schemeClr val="accent1"/>
+          </a:fillRef>
+          <a:effectRef idx="0">
+            <a:schemeClr val="accent1"/>
+          </a:effectRef>
+          <a:fontRef idx="minor">
+            <a:schemeClr val="lt1"/>
+          </a:fontRef>
+        </p:style>
+        <p:txBody>
+          <a:bodyPr rtlCol="0" anchor="ctr"/>
+          <a:lstStyle/>
+          <a:p>
+            <a:pPr algn="ctr"/>
+            <a:endParaRPr lang="pt-BR"/>
+          </a:p>
+        </p:txBody>
+      </p:sp>
+      <p:sp>
+        <p:nvSpPr>
+          <p:cNvPr id="6" name="Elipse 5"/>
+          <p:cNvSpPr/>
+          <p:nvPr/>
+        </p:nvSpPr>
+        <p:spPr>
+          <a:xfrm>
+            <a:off x="5424416" y="2025386"/>
+            <a:ext cx="959972" cy="490388"/>
+          </a:xfrm>
+          <a:prstGeom prst="ellipse">
+            <a:avLst/>
+          </a:prstGeom>
+          <a:noFill/>
+          <a:ln w="47625">
+            <a:solidFill>
+              <a:srgbClr val="FF0000"/>
+            </a:solidFill>
+          </a:ln>
+        </p:spPr>
+        <p:style>
+          <a:lnRef idx="2">
+            <a:schemeClr val="accent1">
+              <a:shade val="50000"/>
+            </a:schemeClr>
+          </a:lnRef>
+          <a:fillRef idx="1">
+            <a:schemeClr val="accent1"/>
+          </a:fillRef>
+          <a:effectRef idx="0">
+            <a:schemeClr val="accent1"/>
+          </a:effectRef>
+          <a:fontRef idx="minor">
+            <a:schemeClr val="lt1"/>
+          </a:fontRef>
+        </p:style>
+        <p:txBody>
+          <a:bodyPr rtlCol="0" anchor="ctr"/>
+          <a:lstStyle/>
+          <a:p>
+            <a:pPr algn="ctr"/>
+            <a:endParaRPr lang="pt-BR"/>
+          </a:p>
+        </p:txBody>
+      </p:sp>
+      <p:sp>
+        <p:nvSpPr>
+          <p:cNvPr id="7" name="Elipse 6"/>
+          <p:cNvSpPr/>
+          <p:nvPr/>
+        </p:nvSpPr>
+        <p:spPr>
+          <a:xfrm>
+            <a:off x="8266090" y="4515367"/>
+            <a:ext cx="959972" cy="490388"/>
+          </a:xfrm>
+          <a:prstGeom prst="ellipse">
+            <a:avLst/>
+          </a:prstGeom>
+          <a:noFill/>
+          <a:ln w="47625">
+            <a:solidFill>
+              <a:srgbClr val="FF0000"/>
+            </a:solidFill>
+          </a:ln>
+        </p:spPr>
+        <p:style>
+          <a:lnRef idx="2">
+            <a:schemeClr val="accent1">
+              <a:shade val="50000"/>
+            </a:schemeClr>
+          </a:lnRef>
+          <a:fillRef idx="1">
+            <a:schemeClr val="accent1"/>
+          </a:fillRef>
+          <a:effectRef idx="0">
+            <a:schemeClr val="accent1"/>
+          </a:effectRef>
+          <a:fontRef idx="minor">
+            <a:schemeClr val="lt1"/>
+          </a:fontRef>
+        </p:style>
+        <p:txBody>
+          <a:bodyPr rtlCol="0" anchor="ctr"/>
+          <a:lstStyle/>
+          <a:p>
+            <a:pPr algn="ctr"/>
+            <a:endParaRPr lang="pt-BR"/>
+          </a:p>
+        </p:txBody>
+      </p:sp>
+      <p:sp>
+        <p:nvSpPr>
+          <p:cNvPr id="8" name="Elipse 7"/>
+          <p:cNvSpPr/>
+          <p:nvPr/>
+        </p:nvSpPr>
+        <p:spPr>
+          <a:xfrm>
+            <a:off x="8871001" y="5441489"/>
+            <a:ext cx="959972" cy="490388"/>
+          </a:xfrm>
+          <a:prstGeom prst="ellipse">
+            <a:avLst/>
+          </a:prstGeom>
+          <a:noFill/>
+          <a:ln w="47625">
+            <a:solidFill>
+              <a:srgbClr val="FF0000"/>
+            </a:solidFill>
+          </a:ln>
+        </p:spPr>
+        <p:style>
+          <a:lnRef idx="2">
+            <a:schemeClr val="accent1">
+              <a:shade val="50000"/>
+            </a:schemeClr>
+          </a:lnRef>
+          <a:fillRef idx="1">
+            <a:schemeClr val="accent1"/>
+          </a:fillRef>
+          <a:effectRef idx="0">
+            <a:schemeClr val="accent1"/>
+          </a:effectRef>
+          <a:fontRef idx="minor">
+            <a:schemeClr val="lt1"/>
+          </a:fontRef>
+        </p:style>
+        <p:txBody>
+          <a:bodyPr rtlCol="0" anchor="ctr"/>
+          <a:lstStyle/>
+          <a:p>
+            <a:pPr algn="ctr"/>
+            <a:endParaRPr lang="pt-BR"/>
+          </a:p>
+        </p:txBody>
+      </p:sp>
       <p:pic>
         <p:nvPicPr>
-          <p:cNvPr id="3" name="Imagem 2"/>
+          <p:cNvPr id="13" name="Imagem 12"/>
           <p:cNvPicPr>
             <a:picLocks noChangeAspect="1"/>
           </p:cNvPicPr>
@@ -4179,8 +4495,8 @@
         </p:blipFill>
         <p:spPr>
           <a:xfrm>
-            <a:off x="1419253" y="0"/>
-            <a:ext cx="9321728" cy="6879056"/>
+            <a:off x="999009" y="61205"/>
+            <a:ext cx="9249396" cy="6659819"/>
           </a:xfrm>
           <a:prstGeom prst="rect">
             <a:avLst/>
@@ -4189,14 +4505,14 @@
       </p:pic>
       <p:sp>
         <p:nvSpPr>
-          <p:cNvPr id="5" name="Elipse 4"/>
+          <p:cNvPr id="14" name="Elipse 13"/>
           <p:cNvSpPr/>
           <p:nvPr/>
         </p:nvSpPr>
         <p:spPr>
           <a:xfrm>
-            <a:off x="6284890" y="283336"/>
-            <a:ext cx="959972" cy="490388"/>
+            <a:off x="5848957" y="388660"/>
+            <a:ext cx="978011" cy="436424"/>
           </a:xfrm>
           <a:prstGeom prst="ellipse">
             <a:avLst/>
@@ -4225,8 +4541,99 @@
           </a:fontRef>
         </p:style>
         <p:txBody>
-          <a:bodyPr rtlCol="0" anchor="ctr"/>
-          <a:lstStyle/>
+          <a:bodyPr wrap="square" rtlCol="0" anchor="ctr"/>
+          <a:lstStyle>
+            <a:lvl1pPr marL="0" indent="0">
+              <a:defRPr sz="1100">
+                <a:solidFill>
+                  <a:schemeClr val="lt1"/>
+                </a:solidFill>
+                <a:latin typeface="+mn-lt"/>
+                <a:ea typeface="+mn-ea"/>
+                <a:cs typeface="+mn-cs"/>
+              </a:defRPr>
+            </a:lvl1pPr>
+            <a:lvl2pPr marL="457200" indent="0">
+              <a:defRPr sz="1100">
+                <a:solidFill>
+                  <a:schemeClr val="lt1"/>
+                </a:solidFill>
+                <a:latin typeface="+mn-lt"/>
+                <a:ea typeface="+mn-ea"/>
+                <a:cs typeface="+mn-cs"/>
+              </a:defRPr>
+            </a:lvl2pPr>
+            <a:lvl3pPr marL="914400" indent="0">
+              <a:defRPr sz="1100">
+                <a:solidFill>
+                  <a:schemeClr val="lt1"/>
+                </a:solidFill>
+                <a:latin typeface="+mn-lt"/>
+                <a:ea typeface="+mn-ea"/>
+                <a:cs typeface="+mn-cs"/>
+              </a:defRPr>
+            </a:lvl3pPr>
+            <a:lvl4pPr marL="1371600" indent="0">
+              <a:defRPr sz="1100">
+                <a:solidFill>
+                  <a:schemeClr val="lt1"/>
+                </a:solidFill>
+                <a:latin typeface="+mn-lt"/>
+                <a:ea typeface="+mn-ea"/>
+                <a:cs typeface="+mn-cs"/>
+              </a:defRPr>
+            </a:lvl4pPr>
+            <a:lvl5pPr marL="1828800" indent="0">
+              <a:defRPr sz="1100">
+                <a:solidFill>
+                  <a:schemeClr val="lt1"/>
+                </a:solidFill>
+                <a:latin typeface="+mn-lt"/>
+                <a:ea typeface="+mn-ea"/>
+                <a:cs typeface="+mn-cs"/>
+              </a:defRPr>
+            </a:lvl5pPr>
+            <a:lvl6pPr marL="2286000" indent="0">
+              <a:defRPr sz="1100">
+                <a:solidFill>
+                  <a:schemeClr val="lt1"/>
+                </a:solidFill>
+                <a:latin typeface="+mn-lt"/>
+                <a:ea typeface="+mn-ea"/>
+                <a:cs typeface="+mn-cs"/>
+              </a:defRPr>
+            </a:lvl6pPr>
+            <a:lvl7pPr marL="2743200" indent="0">
+              <a:defRPr sz="1100">
+                <a:solidFill>
+                  <a:schemeClr val="lt1"/>
+                </a:solidFill>
+                <a:latin typeface="+mn-lt"/>
+                <a:ea typeface="+mn-ea"/>
+                <a:cs typeface="+mn-cs"/>
+              </a:defRPr>
+            </a:lvl7pPr>
+            <a:lvl8pPr marL="3200400" indent="0">
+              <a:defRPr sz="1100">
+                <a:solidFill>
+                  <a:schemeClr val="lt1"/>
+                </a:solidFill>
+                <a:latin typeface="+mn-lt"/>
+                <a:ea typeface="+mn-ea"/>
+                <a:cs typeface="+mn-cs"/>
+              </a:defRPr>
+            </a:lvl8pPr>
+            <a:lvl9pPr marL="3657600" indent="0">
+              <a:defRPr sz="1100">
+                <a:solidFill>
+                  <a:schemeClr val="lt1"/>
+                </a:solidFill>
+                <a:latin typeface="+mn-lt"/>
+                <a:ea typeface="+mn-ea"/>
+                <a:cs typeface="+mn-cs"/>
+              </a:defRPr>
+            </a:lvl9pPr>
+          </a:lstStyle>
           <a:p>
             <a:pPr algn="ctr"/>
             <a:endParaRPr lang="pt-BR"/>
@@ -4235,14 +4642,14 @@
       </p:sp>
       <p:sp>
         <p:nvSpPr>
-          <p:cNvPr id="6" name="Elipse 5"/>
+          <p:cNvPr id="15" name="Elipse 14"/>
           <p:cNvSpPr/>
           <p:nvPr/>
         </p:nvSpPr>
         <p:spPr>
           <a:xfrm>
-            <a:off x="5424416" y="2025386"/>
-            <a:ext cx="959972" cy="490388"/>
+            <a:off x="4945510" y="2025386"/>
+            <a:ext cx="978010" cy="482373"/>
           </a:xfrm>
           <a:prstGeom prst="ellipse">
             <a:avLst/>
@@ -4271,8 +4678,99 @@
           </a:fontRef>
         </p:style>
         <p:txBody>
-          <a:bodyPr rtlCol="0" anchor="ctr"/>
-          <a:lstStyle/>
+          <a:bodyPr wrap="square" rtlCol="0" anchor="ctr"/>
+          <a:lstStyle>
+            <a:lvl1pPr marL="0" indent="0">
+              <a:defRPr sz="1100">
+                <a:solidFill>
+                  <a:schemeClr val="lt1"/>
+                </a:solidFill>
+                <a:latin typeface="+mn-lt"/>
+                <a:ea typeface="+mn-ea"/>
+                <a:cs typeface="+mn-cs"/>
+              </a:defRPr>
+            </a:lvl1pPr>
+            <a:lvl2pPr marL="457200" indent="0">
+              <a:defRPr sz="1100">
+                <a:solidFill>
+                  <a:schemeClr val="lt1"/>
+                </a:solidFill>
+                <a:latin typeface="+mn-lt"/>
+                <a:ea typeface="+mn-ea"/>
+                <a:cs typeface="+mn-cs"/>
+              </a:defRPr>
+            </a:lvl2pPr>
+            <a:lvl3pPr marL="914400" indent="0">
+              <a:defRPr sz="1100">
+                <a:solidFill>
+                  <a:schemeClr val="lt1"/>
+                </a:solidFill>
+                <a:latin typeface="+mn-lt"/>
+                <a:ea typeface="+mn-ea"/>
+                <a:cs typeface="+mn-cs"/>
+              </a:defRPr>
+            </a:lvl3pPr>
+            <a:lvl4pPr marL="1371600" indent="0">
+              <a:defRPr sz="1100">
+                <a:solidFill>
+                  <a:schemeClr val="lt1"/>
+                </a:solidFill>
+                <a:latin typeface="+mn-lt"/>
+                <a:ea typeface="+mn-ea"/>
+                <a:cs typeface="+mn-cs"/>
+              </a:defRPr>
+            </a:lvl4pPr>
+            <a:lvl5pPr marL="1828800" indent="0">
+              <a:defRPr sz="1100">
+                <a:solidFill>
+                  <a:schemeClr val="lt1"/>
+                </a:solidFill>
+                <a:latin typeface="+mn-lt"/>
+                <a:ea typeface="+mn-ea"/>
+                <a:cs typeface="+mn-cs"/>
+              </a:defRPr>
+            </a:lvl5pPr>
+            <a:lvl6pPr marL="2286000" indent="0">
+              <a:defRPr sz="1100">
+                <a:solidFill>
+                  <a:schemeClr val="lt1"/>
+                </a:solidFill>
+                <a:latin typeface="+mn-lt"/>
+                <a:ea typeface="+mn-ea"/>
+                <a:cs typeface="+mn-cs"/>
+              </a:defRPr>
+            </a:lvl6pPr>
+            <a:lvl7pPr marL="2743200" indent="0">
+              <a:defRPr sz="1100">
+                <a:solidFill>
+                  <a:schemeClr val="lt1"/>
+                </a:solidFill>
+                <a:latin typeface="+mn-lt"/>
+                <a:ea typeface="+mn-ea"/>
+                <a:cs typeface="+mn-cs"/>
+              </a:defRPr>
+            </a:lvl7pPr>
+            <a:lvl8pPr marL="3200400" indent="0">
+              <a:defRPr sz="1100">
+                <a:solidFill>
+                  <a:schemeClr val="lt1"/>
+                </a:solidFill>
+                <a:latin typeface="+mn-lt"/>
+                <a:ea typeface="+mn-ea"/>
+                <a:cs typeface="+mn-cs"/>
+              </a:defRPr>
+            </a:lvl8pPr>
+            <a:lvl9pPr marL="3657600" indent="0">
+              <a:defRPr sz="1100">
+                <a:solidFill>
+                  <a:schemeClr val="lt1"/>
+                </a:solidFill>
+                <a:latin typeface="+mn-lt"/>
+                <a:ea typeface="+mn-ea"/>
+                <a:cs typeface="+mn-cs"/>
+              </a:defRPr>
+            </a:lvl9pPr>
+          </a:lstStyle>
           <a:p>
             <a:pPr algn="ctr"/>
             <a:endParaRPr lang="pt-BR"/>
@@ -4281,14 +4779,14 @@
       </p:sp>
       <p:sp>
         <p:nvSpPr>
-          <p:cNvPr id="7" name="Elipse 6"/>
+          <p:cNvPr id="16" name="Elipse 15"/>
           <p:cNvSpPr/>
           <p:nvPr/>
         </p:nvSpPr>
         <p:spPr>
           <a:xfrm>
-            <a:off x="8266090" y="4515367"/>
-            <a:ext cx="959972" cy="490388"/>
+            <a:off x="7733866" y="4543523"/>
+            <a:ext cx="978011" cy="451434"/>
           </a:xfrm>
           <a:prstGeom prst="ellipse">
             <a:avLst/>
@@ -4317,8 +4815,99 @@
           </a:fontRef>
         </p:style>
         <p:txBody>
-          <a:bodyPr rtlCol="0" anchor="ctr"/>
-          <a:lstStyle/>
+          <a:bodyPr wrap="square" rtlCol="0" anchor="ctr"/>
+          <a:lstStyle>
+            <a:lvl1pPr marL="0" indent="0">
+              <a:defRPr sz="1100">
+                <a:solidFill>
+                  <a:schemeClr val="lt1"/>
+                </a:solidFill>
+                <a:latin typeface="+mn-lt"/>
+                <a:ea typeface="+mn-ea"/>
+                <a:cs typeface="+mn-cs"/>
+              </a:defRPr>
+            </a:lvl1pPr>
+            <a:lvl2pPr marL="457200" indent="0">
+              <a:defRPr sz="1100">
+                <a:solidFill>
+                  <a:schemeClr val="lt1"/>
+                </a:solidFill>
+                <a:latin typeface="+mn-lt"/>
+                <a:ea typeface="+mn-ea"/>
+                <a:cs typeface="+mn-cs"/>
+              </a:defRPr>
+            </a:lvl2pPr>
+            <a:lvl3pPr marL="914400" indent="0">
+              <a:defRPr sz="1100">
+                <a:solidFill>
+                  <a:schemeClr val="lt1"/>
+                </a:solidFill>
+                <a:latin typeface="+mn-lt"/>
+                <a:ea typeface="+mn-ea"/>
+                <a:cs typeface="+mn-cs"/>
+              </a:defRPr>
+            </a:lvl3pPr>
+            <a:lvl4pPr marL="1371600" indent="0">
+              <a:defRPr sz="1100">
+                <a:solidFill>
+                  <a:schemeClr val="lt1"/>
+                </a:solidFill>
+                <a:latin typeface="+mn-lt"/>
+                <a:ea typeface="+mn-ea"/>
+                <a:cs typeface="+mn-cs"/>
+              </a:defRPr>
+            </a:lvl4pPr>
+            <a:lvl5pPr marL="1828800" indent="0">
+              <a:defRPr sz="1100">
+                <a:solidFill>
+                  <a:schemeClr val="lt1"/>
+                </a:solidFill>
+                <a:latin typeface="+mn-lt"/>
+                <a:ea typeface="+mn-ea"/>
+                <a:cs typeface="+mn-cs"/>
+              </a:defRPr>
+            </a:lvl5pPr>
+            <a:lvl6pPr marL="2286000" indent="0">
+              <a:defRPr sz="1100">
+                <a:solidFill>
+                  <a:schemeClr val="lt1"/>
+                </a:solidFill>
+                <a:latin typeface="+mn-lt"/>
+                <a:ea typeface="+mn-ea"/>
+                <a:cs typeface="+mn-cs"/>
+              </a:defRPr>
+            </a:lvl6pPr>
+            <a:lvl7pPr marL="2743200" indent="0">
+              <a:defRPr sz="1100">
+                <a:solidFill>
+                  <a:schemeClr val="lt1"/>
+                </a:solidFill>
+                <a:latin typeface="+mn-lt"/>
+                <a:ea typeface="+mn-ea"/>
+                <a:cs typeface="+mn-cs"/>
+              </a:defRPr>
+            </a:lvl7pPr>
+            <a:lvl8pPr marL="3200400" indent="0">
+              <a:defRPr sz="1100">
+                <a:solidFill>
+                  <a:schemeClr val="lt1"/>
+                </a:solidFill>
+                <a:latin typeface="+mn-lt"/>
+                <a:ea typeface="+mn-ea"/>
+                <a:cs typeface="+mn-cs"/>
+              </a:defRPr>
+            </a:lvl8pPr>
+            <a:lvl9pPr marL="3657600" indent="0">
+              <a:defRPr sz="1100">
+                <a:solidFill>
+                  <a:schemeClr val="lt1"/>
+                </a:solidFill>
+                <a:latin typeface="+mn-lt"/>
+                <a:ea typeface="+mn-ea"/>
+                <a:cs typeface="+mn-cs"/>
+              </a:defRPr>
+            </a:lvl9pPr>
+          </a:lstStyle>
           <a:p>
             <a:pPr algn="ctr"/>
             <a:endParaRPr lang="pt-BR"/>
@@ -4327,14 +4916,14 @@
       </p:sp>
       <p:sp>
         <p:nvSpPr>
-          <p:cNvPr id="8" name="Elipse 7"/>
+          <p:cNvPr id="17" name="Elipse 16"/>
           <p:cNvSpPr/>
           <p:nvPr/>
         </p:nvSpPr>
         <p:spPr>
           <a:xfrm>
-            <a:off x="8871001" y="5441489"/>
-            <a:ext cx="959972" cy="490388"/>
+            <a:off x="8372976" y="5289258"/>
+            <a:ext cx="978011" cy="486967"/>
           </a:xfrm>
           <a:prstGeom prst="ellipse">
             <a:avLst/>
@@ -4363,8 +4952,510 @@
           </a:fontRef>
         </p:style>
         <p:txBody>
-          <a:bodyPr rtlCol="0" anchor="ctr"/>
-          <a:lstStyle/>
+          <a:bodyPr wrap="square" rtlCol="0" anchor="ctr"/>
+          <a:lstStyle>
+            <a:lvl1pPr marL="0" indent="0">
+              <a:defRPr sz="1100">
+                <a:solidFill>
+                  <a:schemeClr val="lt1"/>
+                </a:solidFill>
+                <a:latin typeface="+mn-lt"/>
+                <a:ea typeface="+mn-ea"/>
+                <a:cs typeface="+mn-cs"/>
+              </a:defRPr>
+            </a:lvl1pPr>
+            <a:lvl2pPr marL="457200" indent="0">
+              <a:defRPr sz="1100">
+                <a:solidFill>
+                  <a:schemeClr val="lt1"/>
+                </a:solidFill>
+                <a:latin typeface="+mn-lt"/>
+                <a:ea typeface="+mn-ea"/>
+                <a:cs typeface="+mn-cs"/>
+              </a:defRPr>
+            </a:lvl2pPr>
+            <a:lvl3pPr marL="914400" indent="0">
+              <a:defRPr sz="1100">
+                <a:solidFill>
+                  <a:schemeClr val="lt1"/>
+                </a:solidFill>
+                <a:latin typeface="+mn-lt"/>
+                <a:ea typeface="+mn-ea"/>
+                <a:cs typeface="+mn-cs"/>
+              </a:defRPr>
+            </a:lvl3pPr>
+            <a:lvl4pPr marL="1371600" indent="0">
+              <a:defRPr sz="1100">
+                <a:solidFill>
+                  <a:schemeClr val="lt1"/>
+                </a:solidFill>
+                <a:latin typeface="+mn-lt"/>
+                <a:ea typeface="+mn-ea"/>
+                <a:cs typeface="+mn-cs"/>
+              </a:defRPr>
+            </a:lvl4pPr>
+            <a:lvl5pPr marL="1828800" indent="0">
+              <a:defRPr sz="1100">
+                <a:solidFill>
+                  <a:schemeClr val="lt1"/>
+                </a:solidFill>
+                <a:latin typeface="+mn-lt"/>
+                <a:ea typeface="+mn-ea"/>
+                <a:cs typeface="+mn-cs"/>
+              </a:defRPr>
+            </a:lvl5pPr>
+            <a:lvl6pPr marL="2286000" indent="0">
+              <a:defRPr sz="1100">
+                <a:solidFill>
+                  <a:schemeClr val="lt1"/>
+                </a:solidFill>
+                <a:latin typeface="+mn-lt"/>
+                <a:ea typeface="+mn-ea"/>
+                <a:cs typeface="+mn-cs"/>
+              </a:defRPr>
+            </a:lvl6pPr>
+            <a:lvl7pPr marL="2743200" indent="0">
+              <a:defRPr sz="1100">
+                <a:solidFill>
+                  <a:schemeClr val="lt1"/>
+                </a:solidFill>
+                <a:latin typeface="+mn-lt"/>
+                <a:ea typeface="+mn-ea"/>
+                <a:cs typeface="+mn-cs"/>
+              </a:defRPr>
+            </a:lvl7pPr>
+            <a:lvl8pPr marL="3200400" indent="0">
+              <a:defRPr sz="1100">
+                <a:solidFill>
+                  <a:schemeClr val="lt1"/>
+                </a:solidFill>
+                <a:latin typeface="+mn-lt"/>
+                <a:ea typeface="+mn-ea"/>
+                <a:cs typeface="+mn-cs"/>
+              </a:defRPr>
+            </a:lvl8pPr>
+            <a:lvl9pPr marL="3657600" indent="0">
+              <a:defRPr sz="1100">
+                <a:solidFill>
+                  <a:schemeClr val="lt1"/>
+                </a:solidFill>
+                <a:latin typeface="+mn-lt"/>
+                <a:ea typeface="+mn-ea"/>
+                <a:cs typeface="+mn-cs"/>
+              </a:defRPr>
+            </a:lvl9pPr>
+          </a:lstStyle>
+          <a:p>
+            <a:pPr algn="ctr"/>
+            <a:endParaRPr lang="pt-BR"/>
+          </a:p>
+        </p:txBody>
+      </p:sp>
+      <p:sp>
+        <p:nvSpPr>
+          <p:cNvPr id="18" name="Elipse 17"/>
+          <p:cNvSpPr/>
+          <p:nvPr/>
+        </p:nvSpPr>
+        <p:spPr>
+          <a:xfrm>
+            <a:off x="6755857" y="3333872"/>
+            <a:ext cx="978009" cy="439181"/>
+          </a:xfrm>
+          <a:prstGeom prst="ellipse">
+            <a:avLst/>
+          </a:prstGeom>
+          <a:noFill/>
+          <a:ln w="47625">
+            <a:solidFill>
+              <a:srgbClr val="FF0000"/>
+            </a:solidFill>
+          </a:ln>
+        </p:spPr>
+        <p:style>
+          <a:lnRef idx="2">
+            <a:schemeClr val="accent1">
+              <a:shade val="50000"/>
+            </a:schemeClr>
+          </a:lnRef>
+          <a:fillRef idx="1">
+            <a:schemeClr val="accent1"/>
+          </a:fillRef>
+          <a:effectRef idx="0">
+            <a:schemeClr val="accent1"/>
+          </a:effectRef>
+          <a:fontRef idx="minor">
+            <a:schemeClr val="lt1"/>
+          </a:fontRef>
+        </p:style>
+        <p:txBody>
+          <a:bodyPr wrap="square" rtlCol="0" anchor="ctr"/>
+          <a:lstStyle>
+            <a:lvl1pPr marL="0" indent="0">
+              <a:defRPr sz="1100">
+                <a:solidFill>
+                  <a:schemeClr val="lt1"/>
+                </a:solidFill>
+                <a:latin typeface="+mn-lt"/>
+                <a:ea typeface="+mn-ea"/>
+                <a:cs typeface="+mn-cs"/>
+              </a:defRPr>
+            </a:lvl1pPr>
+            <a:lvl2pPr marL="457200" indent="0">
+              <a:defRPr sz="1100">
+                <a:solidFill>
+                  <a:schemeClr val="lt1"/>
+                </a:solidFill>
+                <a:latin typeface="+mn-lt"/>
+                <a:ea typeface="+mn-ea"/>
+                <a:cs typeface="+mn-cs"/>
+              </a:defRPr>
+            </a:lvl2pPr>
+            <a:lvl3pPr marL="914400" indent="0">
+              <a:defRPr sz="1100">
+                <a:solidFill>
+                  <a:schemeClr val="lt1"/>
+                </a:solidFill>
+                <a:latin typeface="+mn-lt"/>
+                <a:ea typeface="+mn-ea"/>
+                <a:cs typeface="+mn-cs"/>
+              </a:defRPr>
+            </a:lvl3pPr>
+            <a:lvl4pPr marL="1371600" indent="0">
+              <a:defRPr sz="1100">
+                <a:solidFill>
+                  <a:schemeClr val="lt1"/>
+                </a:solidFill>
+                <a:latin typeface="+mn-lt"/>
+                <a:ea typeface="+mn-ea"/>
+                <a:cs typeface="+mn-cs"/>
+              </a:defRPr>
+            </a:lvl4pPr>
+            <a:lvl5pPr marL="1828800" indent="0">
+              <a:defRPr sz="1100">
+                <a:solidFill>
+                  <a:schemeClr val="lt1"/>
+                </a:solidFill>
+                <a:latin typeface="+mn-lt"/>
+                <a:ea typeface="+mn-ea"/>
+                <a:cs typeface="+mn-cs"/>
+              </a:defRPr>
+            </a:lvl5pPr>
+            <a:lvl6pPr marL="2286000" indent="0">
+              <a:defRPr sz="1100">
+                <a:solidFill>
+                  <a:schemeClr val="lt1"/>
+                </a:solidFill>
+                <a:latin typeface="+mn-lt"/>
+                <a:ea typeface="+mn-ea"/>
+                <a:cs typeface="+mn-cs"/>
+              </a:defRPr>
+            </a:lvl6pPr>
+            <a:lvl7pPr marL="2743200" indent="0">
+              <a:defRPr sz="1100">
+                <a:solidFill>
+                  <a:schemeClr val="lt1"/>
+                </a:solidFill>
+                <a:latin typeface="+mn-lt"/>
+                <a:ea typeface="+mn-ea"/>
+                <a:cs typeface="+mn-cs"/>
+              </a:defRPr>
+            </a:lvl7pPr>
+            <a:lvl8pPr marL="3200400" indent="0">
+              <a:defRPr sz="1100">
+                <a:solidFill>
+                  <a:schemeClr val="lt1"/>
+                </a:solidFill>
+                <a:latin typeface="+mn-lt"/>
+                <a:ea typeface="+mn-ea"/>
+                <a:cs typeface="+mn-cs"/>
+              </a:defRPr>
+            </a:lvl8pPr>
+            <a:lvl9pPr marL="3657600" indent="0">
+              <a:defRPr sz="1100">
+                <a:solidFill>
+                  <a:schemeClr val="lt1"/>
+                </a:solidFill>
+                <a:latin typeface="+mn-lt"/>
+                <a:ea typeface="+mn-ea"/>
+                <a:cs typeface="+mn-cs"/>
+              </a:defRPr>
+            </a:lvl9pPr>
+          </a:lstStyle>
+          <a:p>
+            <a:pPr algn="ctr"/>
+            <a:endParaRPr lang="pt-BR"/>
+          </a:p>
+        </p:txBody>
+      </p:sp>
+      <p:sp>
+        <p:nvSpPr>
+          <p:cNvPr id="19" name="Elipse 18"/>
+          <p:cNvSpPr/>
+          <p:nvPr/>
+        </p:nvSpPr>
+        <p:spPr>
+          <a:xfrm>
+            <a:off x="6210579" y="3591803"/>
+            <a:ext cx="978010" cy="439181"/>
+          </a:xfrm>
+          <a:prstGeom prst="ellipse">
+            <a:avLst/>
+          </a:prstGeom>
+          <a:noFill/>
+          <a:ln w="47625">
+            <a:solidFill>
+              <a:srgbClr val="FF0000"/>
+            </a:solidFill>
+          </a:ln>
+        </p:spPr>
+        <p:style>
+          <a:lnRef idx="2">
+            <a:schemeClr val="accent1">
+              <a:shade val="50000"/>
+            </a:schemeClr>
+          </a:lnRef>
+          <a:fillRef idx="1">
+            <a:schemeClr val="accent1"/>
+          </a:fillRef>
+          <a:effectRef idx="0">
+            <a:schemeClr val="accent1"/>
+          </a:effectRef>
+          <a:fontRef idx="minor">
+            <a:schemeClr val="lt1"/>
+          </a:fontRef>
+        </p:style>
+        <p:txBody>
+          <a:bodyPr wrap="square" rtlCol="0" anchor="ctr"/>
+          <a:lstStyle>
+            <a:lvl1pPr marL="0" indent="0">
+              <a:defRPr sz="1100">
+                <a:solidFill>
+                  <a:schemeClr val="lt1"/>
+                </a:solidFill>
+                <a:latin typeface="+mn-lt"/>
+                <a:ea typeface="+mn-ea"/>
+                <a:cs typeface="+mn-cs"/>
+              </a:defRPr>
+            </a:lvl1pPr>
+            <a:lvl2pPr marL="457200" indent="0">
+              <a:defRPr sz="1100">
+                <a:solidFill>
+                  <a:schemeClr val="lt1"/>
+                </a:solidFill>
+                <a:latin typeface="+mn-lt"/>
+                <a:ea typeface="+mn-ea"/>
+                <a:cs typeface="+mn-cs"/>
+              </a:defRPr>
+            </a:lvl2pPr>
+            <a:lvl3pPr marL="914400" indent="0">
+              <a:defRPr sz="1100">
+                <a:solidFill>
+                  <a:schemeClr val="lt1"/>
+                </a:solidFill>
+                <a:latin typeface="+mn-lt"/>
+                <a:ea typeface="+mn-ea"/>
+                <a:cs typeface="+mn-cs"/>
+              </a:defRPr>
+            </a:lvl3pPr>
+            <a:lvl4pPr marL="1371600" indent="0">
+              <a:defRPr sz="1100">
+                <a:solidFill>
+                  <a:schemeClr val="lt1"/>
+                </a:solidFill>
+                <a:latin typeface="+mn-lt"/>
+                <a:ea typeface="+mn-ea"/>
+                <a:cs typeface="+mn-cs"/>
+              </a:defRPr>
+            </a:lvl4pPr>
+            <a:lvl5pPr marL="1828800" indent="0">
+              <a:defRPr sz="1100">
+                <a:solidFill>
+                  <a:schemeClr val="lt1"/>
+                </a:solidFill>
+                <a:latin typeface="+mn-lt"/>
+                <a:ea typeface="+mn-ea"/>
+                <a:cs typeface="+mn-cs"/>
+              </a:defRPr>
+            </a:lvl5pPr>
+            <a:lvl6pPr marL="2286000" indent="0">
+              <a:defRPr sz="1100">
+                <a:solidFill>
+                  <a:schemeClr val="lt1"/>
+                </a:solidFill>
+                <a:latin typeface="+mn-lt"/>
+                <a:ea typeface="+mn-ea"/>
+                <a:cs typeface="+mn-cs"/>
+              </a:defRPr>
+            </a:lvl6pPr>
+            <a:lvl7pPr marL="2743200" indent="0">
+              <a:defRPr sz="1100">
+                <a:solidFill>
+                  <a:schemeClr val="lt1"/>
+                </a:solidFill>
+                <a:latin typeface="+mn-lt"/>
+                <a:ea typeface="+mn-ea"/>
+                <a:cs typeface="+mn-cs"/>
+              </a:defRPr>
+            </a:lvl7pPr>
+            <a:lvl8pPr marL="3200400" indent="0">
+              <a:defRPr sz="1100">
+                <a:solidFill>
+                  <a:schemeClr val="lt1"/>
+                </a:solidFill>
+                <a:latin typeface="+mn-lt"/>
+                <a:ea typeface="+mn-ea"/>
+                <a:cs typeface="+mn-cs"/>
+              </a:defRPr>
+            </a:lvl8pPr>
+            <a:lvl9pPr marL="3657600" indent="0">
+              <a:defRPr sz="1100">
+                <a:solidFill>
+                  <a:schemeClr val="lt1"/>
+                </a:solidFill>
+                <a:latin typeface="+mn-lt"/>
+                <a:ea typeface="+mn-ea"/>
+                <a:cs typeface="+mn-cs"/>
+              </a:defRPr>
+            </a:lvl9pPr>
+          </a:lstStyle>
+          <a:p>
+            <a:pPr algn="ctr"/>
+            <a:endParaRPr lang="pt-BR"/>
+          </a:p>
+        </p:txBody>
+      </p:sp>
+      <p:sp>
+        <p:nvSpPr>
+          <p:cNvPr id="20" name="Elipse 19"/>
+          <p:cNvSpPr/>
+          <p:nvPr/>
+        </p:nvSpPr>
+        <p:spPr>
+          <a:xfrm>
+            <a:off x="3040469" y="2868134"/>
+            <a:ext cx="978011" cy="428316"/>
+          </a:xfrm>
+          <a:prstGeom prst="ellipse">
+            <a:avLst/>
+          </a:prstGeom>
+          <a:noFill/>
+          <a:ln w="47625">
+            <a:solidFill>
+              <a:srgbClr val="FF0000"/>
+            </a:solidFill>
+          </a:ln>
+        </p:spPr>
+        <p:style>
+          <a:lnRef idx="2">
+            <a:schemeClr val="accent1">
+              <a:shade val="50000"/>
+            </a:schemeClr>
+          </a:lnRef>
+          <a:fillRef idx="1">
+            <a:schemeClr val="accent1"/>
+          </a:fillRef>
+          <a:effectRef idx="0">
+            <a:schemeClr val="accent1"/>
+          </a:effectRef>
+          <a:fontRef idx="minor">
+            <a:schemeClr val="lt1"/>
+          </a:fontRef>
+        </p:style>
+        <p:txBody>
+          <a:bodyPr wrap="square" rtlCol="0" anchor="ctr"/>
+          <a:lstStyle>
+            <a:lvl1pPr marL="0" indent="0">
+              <a:defRPr sz="1100">
+                <a:solidFill>
+                  <a:schemeClr val="lt1"/>
+                </a:solidFill>
+                <a:latin typeface="+mn-lt"/>
+                <a:ea typeface="+mn-ea"/>
+                <a:cs typeface="+mn-cs"/>
+              </a:defRPr>
+            </a:lvl1pPr>
+            <a:lvl2pPr marL="457200" indent="0">
+              <a:defRPr sz="1100">
+                <a:solidFill>
+                  <a:schemeClr val="lt1"/>
+                </a:solidFill>
+                <a:latin typeface="+mn-lt"/>
+                <a:ea typeface="+mn-ea"/>
+                <a:cs typeface="+mn-cs"/>
+              </a:defRPr>
+            </a:lvl2pPr>
+            <a:lvl3pPr marL="914400" indent="0">
+              <a:defRPr sz="1100">
+                <a:solidFill>
+                  <a:schemeClr val="lt1"/>
+                </a:solidFill>
+                <a:latin typeface="+mn-lt"/>
+                <a:ea typeface="+mn-ea"/>
+                <a:cs typeface="+mn-cs"/>
+              </a:defRPr>
+            </a:lvl3pPr>
+            <a:lvl4pPr marL="1371600" indent="0">
+              <a:defRPr sz="1100">
+                <a:solidFill>
+                  <a:schemeClr val="lt1"/>
+                </a:solidFill>
+                <a:latin typeface="+mn-lt"/>
+                <a:ea typeface="+mn-ea"/>
+                <a:cs typeface="+mn-cs"/>
+              </a:defRPr>
+            </a:lvl4pPr>
+            <a:lvl5pPr marL="1828800" indent="0">
+              <a:defRPr sz="1100">
+                <a:solidFill>
+                  <a:schemeClr val="lt1"/>
+                </a:solidFill>
+                <a:latin typeface="+mn-lt"/>
+                <a:ea typeface="+mn-ea"/>
+                <a:cs typeface="+mn-cs"/>
+              </a:defRPr>
+            </a:lvl5pPr>
+            <a:lvl6pPr marL="2286000" indent="0">
+              <a:defRPr sz="1100">
+                <a:solidFill>
+                  <a:schemeClr val="lt1"/>
+                </a:solidFill>
+                <a:latin typeface="+mn-lt"/>
+                <a:ea typeface="+mn-ea"/>
+                <a:cs typeface="+mn-cs"/>
+              </a:defRPr>
+            </a:lvl6pPr>
+            <a:lvl7pPr marL="2743200" indent="0">
+              <a:defRPr sz="1100">
+                <a:solidFill>
+                  <a:schemeClr val="lt1"/>
+                </a:solidFill>
+                <a:latin typeface="+mn-lt"/>
+                <a:ea typeface="+mn-ea"/>
+                <a:cs typeface="+mn-cs"/>
+              </a:defRPr>
+            </a:lvl7pPr>
+            <a:lvl8pPr marL="3200400" indent="0">
+              <a:defRPr sz="1100">
+                <a:solidFill>
+                  <a:schemeClr val="lt1"/>
+                </a:solidFill>
+                <a:latin typeface="+mn-lt"/>
+                <a:ea typeface="+mn-ea"/>
+                <a:cs typeface="+mn-cs"/>
+              </a:defRPr>
+            </a:lvl8pPr>
+            <a:lvl9pPr marL="3657600" indent="0">
+              <a:defRPr sz="1100">
+                <a:solidFill>
+                  <a:schemeClr val="lt1"/>
+                </a:solidFill>
+                <a:latin typeface="+mn-lt"/>
+                <a:ea typeface="+mn-ea"/>
+                <a:cs typeface="+mn-cs"/>
+              </a:defRPr>
+            </a:lvl9pPr>
+          </a:lstStyle>
           <a:p>
             <a:pPr algn="ctr"/>
             <a:endParaRPr lang="pt-BR"/>
@@ -4569,26 +5660,35 @@
       </p:sp>
       <p:pic>
         <p:nvPicPr>
-          <p:cNvPr id="9" name="Imagem 8"/>
-          <p:cNvPicPr>
-            <a:picLocks noChangeAspect="1"/>
-          </p:cNvPicPr>
+          <p:cNvPr id="5" name="Imagem 4"/>
+          <p:cNvPicPr/>
           <p:nvPr/>
         </p:nvPicPr>
         <p:blipFill>
-          <a:blip r:embed="rId2"/>
+          <a:blip r:embed="rId2">
+            <a:extLst>
+              <a:ext uri="{28A0092B-C50C-407E-A947-70E740481C1C}">
+                <a14:useLocalDpi xmlns:a14="http://schemas.microsoft.com/office/drawing/2010/main" val="0"/>
+              </a:ext>
+            </a:extLst>
+          </a:blip>
+          <a:srcRect/>
           <a:stretch>
             <a:fillRect/>
           </a:stretch>
         </p:blipFill>
-        <p:spPr>
-          <a:xfrm>
-            <a:off x="1024598" y="17141"/>
-            <a:ext cx="10142806" cy="6823717"/>
+        <p:spPr bwMode="auto">
+          <a:xfrm>
+            <a:off x="1151906" y="237506"/>
+            <a:ext cx="9476510" cy="6329549"/>
           </a:xfrm>
           <a:prstGeom prst="rect">
             <a:avLst/>
           </a:prstGeom>
+          <a:noFill/>
+          <a:ln>
+            <a:noFill/>
+          </a:ln>
         </p:spPr>
       </p:pic>
     </p:spTree>
@@ -4628,73 +5728,49 @@
           <a:chExt cx="0" cy="0"/>
         </a:xfrm>
       </p:grpSpPr>
-      <p:sp>
-        <p:nvSpPr>
-          <p:cNvPr id="2" name="Título 1"/>
-          <p:cNvSpPr>
-            <a:spLocks noGrp="1"/>
-          </p:cNvSpPr>
-          <p:nvPr>
-            <p:ph type="title"/>
-          </p:nvPr>
-        </p:nvSpPr>
-        <p:spPr/>
-        <p:txBody>
-          <a:bodyPr/>
-          <a:lstStyle/>
-          <a:p>
-            <a:r>
-              <a:rPr lang="pt-BR" b="1" dirty="0"/>
-              <a:t>Quais são as metas específicas para cada um dos focos?</a:t>
-            </a:r>
-            <a:r>
-              <a:rPr lang="pt-BR" dirty="0"/>
-              <a:t> </a:t>
-            </a:r>
-          </a:p>
-        </p:txBody>
-      </p:sp>
       <p:pic>
         <p:nvPicPr>
-          <p:cNvPr id="3" name="Imagem 2"/>
-          <p:cNvPicPr>
-            <a:picLocks noChangeAspect="1"/>
-          </p:cNvPicPr>
+          <p:cNvPr id="4" name="Imagem 3"/>
+          <p:cNvPicPr/>
           <p:nvPr/>
         </p:nvPicPr>
         <p:blipFill>
-          <a:blip r:embed="rId2"/>
+          <a:blip r:embed="rId2">
+            <a:extLst>
+              <a:ext uri="{28A0092B-C50C-407E-A947-70E740481C1C}">
+                <a14:useLocalDpi xmlns:a14="http://schemas.microsoft.com/office/drawing/2010/main" val="0"/>
+              </a:ext>
+            </a:extLst>
+          </a:blip>
+          <a:srcRect/>
           <a:stretch>
             <a:fillRect/>
           </a:stretch>
         </p:blipFill>
-        <p:spPr>
-          <a:xfrm>
-            <a:off x="3237620" y="1819630"/>
-            <a:ext cx="6145531" cy="4492595"/>
+        <p:spPr bwMode="auto">
+          <a:xfrm>
+            <a:off x="676895" y="166255"/>
+            <a:ext cx="10212778" cy="6068290"/>
           </a:xfrm>
           <a:prstGeom prst="rect">
             <a:avLst/>
           </a:prstGeom>
+          <a:noFill/>
+          <a:ln>
+            <a:noFill/>
+          </a:ln>
         </p:spPr>
       </p:pic>
     </p:spTree>
     <p:extLst>
       <p:ext uri="{BB962C8B-B14F-4D97-AF65-F5344CB8AC3E}">
-        <p14:creationId xmlns:p14="http://schemas.microsoft.com/office/powerpoint/2010/main" val="1230069869"/>
+        <p14:creationId xmlns:p14="http://schemas.microsoft.com/office/powerpoint/2010/main" val="1248727425"/>
       </p:ext>
     </p:extLst>
   </p:cSld>
   <p:clrMapOvr>
     <a:masterClrMapping/>
   </p:clrMapOvr>
-  <p:timing>
-    <p:tnLst>
-      <p:par>
-        <p:cTn id="1" dur="indefinite" restart="never" nodeType="tmRoot"/>
-      </p:par>
-    </p:tnLst>
-  </p:timing>
 </p:sld>
 </file>
 
@@ -4732,7 +5808,7 @@
           <a:p>
             <a:r>
               <a:rPr lang="pt-BR" b="1" dirty="0"/>
-              <a:t>As metas específicas são suficientes para alcance da meta geral?</a:t>
+              <a:t>Quais são as metas específicas para cada um dos focos?</a:t>
             </a:r>
             <a:r>
               <a:rPr lang="pt-BR" dirty="0"/>
@@ -4743,7 +5819,7 @@
       </p:sp>
       <p:pic>
         <p:nvPicPr>
-          <p:cNvPr id="4" name="Imagem 3"/>
+          <p:cNvPr id="3" name="Imagem 2"/>
           <p:cNvPicPr>
             <a:picLocks noChangeAspect="1"/>
           </p:cNvPicPr>
@@ -4757,8 +5833,8 @@
         </p:blipFill>
         <p:spPr>
           <a:xfrm>
-            <a:off x="2805112" y="733425"/>
-            <a:ext cx="6581775" cy="5391150"/>
+            <a:off x="3237620" y="1819630"/>
+            <a:ext cx="6145531" cy="4492595"/>
           </a:xfrm>
           <a:prstGeom prst="rect">
             <a:avLst/>
@@ -4768,7 +5844,7 @@
     </p:spTree>
     <p:extLst>
       <p:ext uri="{BB962C8B-B14F-4D97-AF65-F5344CB8AC3E}">
-        <p14:creationId xmlns:p14="http://schemas.microsoft.com/office/powerpoint/2010/main" val="1564299819"/>
+        <p14:creationId xmlns:p14="http://schemas.microsoft.com/office/powerpoint/2010/main" val="1230069869"/>
       </p:ext>
     </p:extLst>
   </p:cSld>
@@ -4804,75 +5880,34 @@
       </p:grpSpPr>
       <p:sp>
         <p:nvSpPr>
-          <p:cNvPr id="4" name="Retângulo 3"/>
-          <p:cNvSpPr/>
-          <p:nvPr/>
-        </p:nvSpPr>
-        <p:spPr>
-          <a:xfrm>
-            <a:off x="1" y="0"/>
-            <a:ext cx="12192000" cy="6858000"/>
-          </a:xfrm>
-          <a:prstGeom prst="rect">
-            <a:avLst/>
-          </a:prstGeom>
-          <a:solidFill>
-            <a:schemeClr val="bg1"/>
-          </a:solidFill>
-        </p:spPr>
-        <p:style>
-          <a:lnRef idx="2">
-            <a:schemeClr val="accent1">
-              <a:shade val="50000"/>
-            </a:schemeClr>
-          </a:lnRef>
-          <a:fillRef idx="1">
-            <a:schemeClr val="accent1"/>
-          </a:fillRef>
-          <a:effectRef idx="0">
-            <a:schemeClr val="accent1"/>
-          </a:effectRef>
-          <a:fontRef idx="minor">
-            <a:schemeClr val="lt1"/>
-          </a:fontRef>
-        </p:style>
-        <p:txBody>
-          <a:bodyPr rtlCol="0" anchor="ctr"/>
+          <p:cNvPr id="2" name="Título 1"/>
+          <p:cNvSpPr>
+            <a:spLocks noGrp="1"/>
+          </p:cNvSpPr>
+          <p:nvPr>
+            <p:ph type="title"/>
+          </p:nvPr>
+        </p:nvSpPr>
+        <p:spPr/>
+        <p:txBody>
+          <a:bodyPr/>
           <a:lstStyle/>
           <a:p>
-            <a:pPr algn="ctr"/>
-            <a:endParaRPr lang="pt-BR"/>
-          </a:p>
-        </p:txBody>
-      </p:sp>
-      <p:pic>
-        <p:nvPicPr>
-          <p:cNvPr id="2" name="Imagem 1"/>
-          <p:cNvPicPr>
-            <a:picLocks noChangeAspect="1"/>
-          </p:cNvPicPr>
-          <p:nvPr/>
-        </p:nvPicPr>
-        <p:blipFill>
-          <a:blip r:embed="rId2"/>
-          <a:stretch>
-            <a:fillRect/>
-          </a:stretch>
-        </p:blipFill>
-        <p:spPr>
-          <a:xfrm>
-            <a:off x="2040292" y="106958"/>
-            <a:ext cx="8111417" cy="6644084"/>
-          </a:xfrm>
-          <a:prstGeom prst="rect">
-            <a:avLst/>
-          </a:prstGeom>
-        </p:spPr>
-      </p:pic>
+            <a:r>
+              <a:rPr lang="pt-BR" b="1" dirty="0"/>
+              <a:t>As metas específicas são suficientes para alcance da meta geral?</a:t>
+            </a:r>
+            <a:r>
+              <a:rPr lang="pt-BR" dirty="0"/>
+              <a:t> </a:t>
+            </a:r>
+          </a:p>
+        </p:txBody>
+      </p:sp>
     </p:spTree>
     <p:extLst>
       <p:ext uri="{BB962C8B-B14F-4D97-AF65-F5344CB8AC3E}">
-        <p14:creationId xmlns:p14="http://schemas.microsoft.com/office/powerpoint/2010/main" val="3383441995"/>
+        <p14:creationId xmlns:p14="http://schemas.microsoft.com/office/powerpoint/2010/main" val="1564299819"/>
       </p:ext>
     </p:extLst>
   </p:cSld>

--- a/Apresentações/TRE DMAIC - Measure.pptx
+++ b/Apresentações/TRE DMAIC - Measure.pptx
@@ -122,6 +122,34 @@
 </p:presentation>
 </file>
 
+<file path=ppt/ink/ink1.xml><?xml version="1.0" encoding="utf-8"?>
+<inkml:ink xmlns:inkml="http://www.w3.org/2003/InkML">
+  <inkml:definitions>
+    <inkml:context xml:id="ctx0">
+      <inkml:inkSource xml:id="inkSrc0">
+        <inkml:traceFormat>
+          <inkml:channel name="X" type="integer" max="2166" units="cm"/>
+          <inkml:channel name="Y" type="integer" max="768" units="cm"/>
+          <inkml:channel name="T" type="integer" max="2.14748E9" units="dev"/>
+        </inkml:traceFormat>
+        <inkml:channelProperties>
+          <inkml:channelProperty channel="X" name="resolution" value="69.87096" units="1/cm"/>
+          <inkml:channelProperty channel="Y" name="resolution" value="44.13793" units="1/cm"/>
+          <inkml:channelProperty channel="T" name="resolution" value="1" units="1/dev"/>
+        </inkml:channelProperties>
+      </inkml:inkSource>
+      <inkml:timestamp xml:id="ts0" timeString="2017-05-17T15:01:10.283"/>
+    </inkml:context>
+    <inkml:brush xml:id="br0">
+      <inkml:brushProperty name="width" value="0.05292" units="cm"/>
+      <inkml:brushProperty name="height" value="0.05292" units="cm"/>
+      <inkml:brushProperty name="color" value="#FF0000"/>
+    </inkml:brush>
+  </inkml:definitions>
+  <inkml:trace contextRef="#ctx0" brushRef="#br0">25681 1804 0,'40'80'31,"-40"41"47,0-81-62,0 40 0,0 0-16,120 121 15,-79-81-15,-41-40 188,0 0-188,0 1 15,0-41 79,0 80-94,0-80 125,80 40 297,0-80-344,-40 41-78,81-41 125,-81 0-94,40 0 16,40 80-31,1-40 15,-81 0 0,40 0 16,0 40-15,1-80-1,-41 40-16,80-40 1,-40 40 203,-40-40-32,-40-80-155,0-40 124,0 80-62,0-80-48,281 160-30,-120-40 47,-241-121 30,80 41-46,-81 0-31,-119-81-1,79 41 1,81 80-16,-40-80 16,-40-1-16,-1 41 31,1 0-15,80 40-1,-41 0 16,81-81 32,-120 121 203,0 41-235,39-41 0,-39 0 16,80 0-16,-40 0 407,-1 0-329,1 40 125,160 80-234,-39-40 16</inkml:trace>
+</inkml:ink>
+</file>
+
 <file path=ppt/slideLayouts/slideLayout1.xml><?xml version="1.0" encoding="utf-8"?>
 <p:sldLayout xmlns:a="http://schemas.openxmlformats.org/drawingml/2006/main" xmlns:r="http://schemas.openxmlformats.org/officeDocument/2006/relationships" xmlns:p="http://schemas.openxmlformats.org/presentationml/2006/main" showMasterSp="0" type="title" preserve="1">
   <p:cSld name="Slide de título">
@@ -348,7 +376,7 @@
           <a:p>
             <a:fld id="{4BDF68E2-58F2-4D09-BE8B-E3BD06533059}" type="datetimeFigureOut">
               <a:rPr lang="en-US" dirty="0"/>
-              <a:t>5/16/2017</a:t>
+              <a:t>5/17/2017</a:t>
             </a:fld>
             <a:endParaRPr lang="en-US" dirty="0"/>
           </a:p>
@@ -551,7 +579,7 @@
           <a:p>
             <a:fld id="{2E2D6473-DF6D-4702-B328-E0DD40540A4E}" type="datetimeFigureOut">
               <a:rPr lang="en-US" dirty="0"/>
-              <a:t>5/16/2017</a:t>
+              <a:t>5/17/2017</a:t>
             </a:fld>
             <a:endParaRPr lang="en-US" dirty="0"/>
           </a:p>
@@ -802,7 +830,7 @@
           <a:p>
             <a:fld id="{E26F7E3A-B166-407D-9866-32884E7D5B37}" type="datetimeFigureOut">
               <a:rPr lang="en-US" dirty="0"/>
-              <a:t>5/16/2017</a:t>
+              <a:t>5/17/2017</a:t>
             </a:fld>
             <a:endParaRPr lang="en-US" dirty="0"/>
           </a:p>
@@ -971,7 +999,7 @@
           <a:p>
             <a:fld id="{528FC5F6-F338-4AE4-BB23-26385BCFC423}" type="datetimeFigureOut">
               <a:rPr lang="en-US" dirty="0"/>
-              <a:t>5/16/2017</a:t>
+              <a:t>5/17/2017</a:t>
             </a:fld>
             <a:endParaRPr lang="en-US" dirty="0"/>
           </a:p>
@@ -1309,7 +1337,7 @@
           <a:p>
             <a:fld id="{20EBB0C4-6273-4C6E-B9BD-2EDC30F1CD52}" type="datetimeFigureOut">
               <a:rPr lang="en-US" dirty="0"/>
-              <a:t>5/16/2017</a:t>
+              <a:t>5/17/2017</a:t>
             </a:fld>
             <a:endParaRPr lang="en-US" dirty="0"/>
           </a:p>
@@ -1579,7 +1607,7 @@
           <a:p>
             <a:fld id="{19AB4D41-86C1-4908-B66A-0B50CEB3BF29}" type="datetimeFigureOut">
               <a:rPr lang="en-US" dirty="0"/>
-              <a:t>5/16/2017</a:t>
+              <a:t>5/17/2017</a:t>
             </a:fld>
             <a:endParaRPr lang="en-US" dirty="0"/>
           </a:p>
@@ -1953,7 +1981,7 @@
           <a:p>
             <a:fld id="{E6426E2C-56C1-4E0D-A793-0088A7FDD37E}" type="datetimeFigureOut">
               <a:rPr lang="en-US" dirty="0"/>
-              <a:t>5/16/2017</a:t>
+              <a:t>5/17/2017</a:t>
             </a:fld>
             <a:endParaRPr lang="en-US" dirty="0"/>
           </a:p>
@@ -2066,7 +2094,7 @@
           <a:p>
             <a:fld id="{C8C39B41-D8B5-4052-B551-9B5525EAA8B6}" type="datetimeFigureOut">
               <a:rPr lang="en-US" dirty="0"/>
-              <a:t>5/16/2017</a:t>
+              <a:t>5/17/2017</a:t>
             </a:fld>
             <a:endParaRPr lang="en-US" dirty="0"/>
           </a:p>
@@ -2232,7 +2260,7 @@
           <a:p>
             <a:fld id="{4D94136C-8742-45B2-AF27-D93DF72833A9}" type="datetimeFigureOut">
               <a:rPr lang="en-US" dirty="0"/>
-              <a:t>5/16/2017</a:t>
+              <a:t>5/17/2017</a:t>
             </a:fld>
             <a:endParaRPr lang="en-US" dirty="0"/>
           </a:p>
@@ -2582,7 +2610,7 @@
           <a:p>
             <a:fld id="{32ABBEA6-7C60-4B02-AE87-00D78D8422AF}" type="datetimeFigureOut">
               <a:rPr lang="en-US" dirty="0"/>
-              <a:t>5/16/2017</a:t>
+              <a:t>5/17/2017</a:t>
             </a:fld>
             <a:endParaRPr lang="en-US" dirty="0"/>
           </a:p>
@@ -2960,7 +2988,7 @@
           <a:p>
             <a:fld id="{C9CAD897-D46E-4AD2-BD9B-49DD3E640873}" type="datetimeFigureOut">
               <a:rPr lang="en-US" dirty="0"/>
-              <a:t>5/16/2017</a:t>
+              <a:t>5/17/2017</a:t>
             </a:fld>
             <a:endParaRPr lang="en-US" dirty="0"/>
           </a:p>
@@ -3242,7 +3270,7 @@
           <a:p>
             <a:fld id="{98624D31-43A5-475A-80CF-332C9F6DCF35}" type="datetimeFigureOut">
               <a:rPr lang="en-US" dirty="0"/>
-              <a:t>5/16/2017</a:t>
+              <a:t>5/17/2017</a:t>
             </a:fld>
             <a:endParaRPr lang="en-US" dirty="0"/>
           </a:p>
@@ -3879,7 +3907,7 @@
           <a:graphicData uri="http://schemas.openxmlformats.org/presentationml/2006/ole">
             <mc:AlternateContent xmlns:mc="http://schemas.openxmlformats.org/markup-compatibility/2006">
               <mc:Choice xmlns:v="urn:schemas-microsoft-com:vml" Requires="v">
-                <p:oleObj spid="_x0000_s1026" name="Planilha" r:id="rId3" imgW="9096386" imgH="6248445" progId="Excel.Sheet.12">
+                <p:oleObj spid="_x0000_s1028" name="Planilha" r:id="rId3" imgW="9096386" imgH="6248445" progId="Excel.Sheet.12">
                   <p:embed/>
                 </p:oleObj>
               </mc:Choice>
@@ -3914,6 +3942,45 @@
           </a:graphicData>
         </a:graphic>
       </p:graphicFrame>
+      <mc:AlternateContent xmlns:mc="http://schemas.openxmlformats.org/markup-compatibility/2006">
+        <mc:Choice xmlns:p14="http://schemas.microsoft.com/office/powerpoint/2010/main" Requires="p14">
+          <p:contentPart p14:bwMode="auto" r:id="rId5">
+            <p14:nvContentPartPr>
+              <p14:cNvPr id="2" name="Tinta 1"/>
+              <p14:cNvContentPartPr/>
+              <p14:nvPr/>
+            </p14:nvContentPartPr>
+            <p14:xfrm>
+              <a:off x="9245160" y="649440"/>
+              <a:ext cx="679320" cy="592200"/>
+            </p14:xfrm>
+          </p:contentPart>
+        </mc:Choice>
+        <mc:Fallback>
+          <p:pic>
+            <p:nvPicPr>
+              <p:cNvPr id="2" name="Tinta 1"/>
+              <p:cNvPicPr/>
+              <p:nvPr/>
+            </p:nvPicPr>
+            <p:blipFill>
+              <a:blip r:embed="rId6"/>
+              <a:stretch>
+                <a:fillRect/>
+              </a:stretch>
+            </p:blipFill>
+            <p:spPr>
+              <a:xfrm>
+                <a:off x="9235800" y="640080"/>
+                <a:ext cx="698040" cy="610920"/>
+              </a:xfrm>
+              <a:prstGeom prst="rect">
+                <a:avLst/>
+              </a:prstGeom>
+            </p:spPr>
+          </p:pic>
+        </mc:Fallback>
+      </mc:AlternateContent>
     </p:spTree>
     <p:extLst>
       <p:ext uri="{BB962C8B-B14F-4D97-AF65-F5344CB8AC3E}">
@@ -3924,6 +3991,13 @@
   <p:clrMapOvr>
     <a:masterClrMapping/>
   </p:clrMapOvr>
+  <p:timing>
+    <p:tnLst>
+      <p:par>
+        <p:cTn id="1" dur="indefinite" restart="never" nodeType="tmRoot"/>
+      </p:par>
+    </p:tnLst>
+  </p:timing>
 </p:sld>
 </file>
 
@@ -5771,6 +5845,13 @@
   <p:clrMapOvr>
     <a:masterClrMapping/>
   </p:clrMapOvr>
+  <p:timing>
+    <p:tnLst>
+      <p:par>
+        <p:cTn id="1" dur="indefinite" restart="never" nodeType="tmRoot"/>
+      </p:par>
+    </p:tnLst>
+  </p:timing>
 </p:sld>
 </file>
 
